--- a/InterviewStudyMaterial/SQL_Interview_Questions_with_answers.pptx
+++ b/InterviewStudyMaterial/SQL_Interview_Questions_with_answers.pptx
@@ -134,7 +134,7 @@
   </p:defaultTextStyle>
   <p:extLst>
     <p:ext uri="{EFAFB233-063F-42B5-8137-9DF3F51BA10A}">
-      <p15:sldGuideLst xmlns="" xmlns:p15="http://schemas.microsoft.com/office/powerpoint/2012/main">
+      <p15:sldGuideLst xmlns:p15="http://schemas.microsoft.com/office/powerpoint/2012/main" xmlns="">
         <p15:guide id="1" orient="horz" pos="2160">
           <p15:clr>
             <a:srgbClr val="A4A3A4"/>
@@ -234,7 +234,7 @@
             <a:fld id="{F44ACCB6-878C-4C91-8634-0328403ABEB7}" type="datetimeFigureOut">
               <a:rPr lang="en-US" smtClean="0"/>
               <a:pPr/>
-              <a:t>1/19/2021</a:t>
+              <a:t>2/1/2021</a:t>
             </a:fld>
             <a:endParaRPr lang="en-US" dirty="0"/>
           </a:p>
@@ -581,6 +581,205 @@
 </p:notes>
 </file>
 
+<file path=ppt/notesSlides/notesSlide2.xml><?xml version="1.0" encoding="utf-8"?>
+<p:notes xmlns:a="http://schemas.openxmlformats.org/drawingml/2006/main" xmlns:r="http://schemas.openxmlformats.org/officeDocument/2006/relationships" xmlns:p="http://schemas.openxmlformats.org/presentationml/2006/main">
+  <p:cSld>
+    <p:spTree>
+      <p:nvGrpSpPr>
+        <p:cNvPr id="1" name=""/>
+        <p:cNvGrpSpPr/>
+        <p:nvPr/>
+      </p:nvGrpSpPr>
+      <p:grpSpPr>
+        <a:xfrm>
+          <a:off x="0" y="0"/>
+          <a:ext cx="0" cy="0"/>
+          <a:chOff x="0" y="0"/>
+          <a:chExt cx="0" cy="0"/>
+        </a:xfrm>
+      </p:grpSpPr>
+      <p:sp>
+        <p:nvSpPr>
+          <p:cNvPr id="2" name="Slide Image Placeholder 1"/>
+          <p:cNvSpPr>
+            <a:spLocks noGrp="1" noRot="1" noChangeAspect="1"/>
+          </p:cNvSpPr>
+          <p:nvPr>
+            <p:ph type="sldImg"/>
+          </p:nvPr>
+        </p:nvSpPr>
+        <p:spPr/>
+      </p:sp>
+      <p:sp>
+        <p:nvSpPr>
+          <p:cNvPr id="3" name="Notes Placeholder 2"/>
+          <p:cNvSpPr>
+            <a:spLocks noGrp="1"/>
+          </p:cNvSpPr>
+          <p:nvPr>
+            <p:ph type="body" idx="1"/>
+          </p:nvPr>
+        </p:nvSpPr>
+        <p:spPr/>
+        <p:txBody>
+          <a:bodyPr>
+            <a:normAutofit/>
+          </a:bodyPr>
+          <a:lstStyle/>
+          <a:p>
+            <a:endParaRPr lang="en-US" dirty="0"/>
+          </a:p>
+        </p:txBody>
+      </p:sp>
+      <p:sp>
+        <p:nvSpPr>
+          <p:cNvPr id="4" name="Slide Number Placeholder 3"/>
+          <p:cNvSpPr>
+            <a:spLocks noGrp="1"/>
+          </p:cNvSpPr>
+          <p:nvPr>
+            <p:ph type="sldNum" sz="quarter" idx="10"/>
+          </p:nvPr>
+        </p:nvSpPr>
+        <p:spPr/>
+        <p:txBody>
+          <a:bodyPr/>
+          <a:lstStyle/>
+          <a:p>
+            <a:fld id="{7300D0A9-A0CD-4070-BE06-EB2B828261DA}" type="slidenum">
+              <a:rPr lang="en-US" smtClean="0"/>
+              <a:pPr/>
+              <a:t>10</a:t>
+            </a:fld>
+            <a:endParaRPr lang="en-US" dirty="0"/>
+          </a:p>
+        </p:txBody>
+      </p:sp>
+    </p:spTree>
+  </p:cSld>
+  <p:clrMapOvr>
+    <a:masterClrMapping/>
+  </p:clrMapOvr>
+</p:notes>
+</file>
+
+<file path=ppt/notesSlides/notesSlide3.xml><?xml version="1.0" encoding="utf-8"?>
+<p:notes xmlns:a="http://schemas.openxmlformats.org/drawingml/2006/main" xmlns:r="http://schemas.openxmlformats.org/officeDocument/2006/relationships" xmlns:p="http://schemas.openxmlformats.org/presentationml/2006/main">
+  <p:cSld>
+    <p:spTree>
+      <p:nvGrpSpPr>
+        <p:cNvPr id="1" name=""/>
+        <p:cNvGrpSpPr/>
+        <p:nvPr/>
+      </p:nvGrpSpPr>
+      <p:grpSpPr>
+        <a:xfrm>
+          <a:off x="0" y="0"/>
+          <a:ext cx="0" cy="0"/>
+          <a:chOff x="0" y="0"/>
+          <a:chExt cx="0" cy="0"/>
+        </a:xfrm>
+      </p:grpSpPr>
+      <p:sp>
+        <p:nvSpPr>
+          <p:cNvPr id="2" name="Slide Image Placeholder 1"/>
+          <p:cNvSpPr>
+            <a:spLocks noGrp="1" noRot="1" noChangeAspect="1"/>
+          </p:cNvSpPr>
+          <p:nvPr>
+            <p:ph type="sldImg"/>
+          </p:nvPr>
+        </p:nvSpPr>
+        <p:spPr/>
+      </p:sp>
+      <p:sp>
+        <p:nvSpPr>
+          <p:cNvPr id="3" name="Notes Placeholder 2"/>
+          <p:cNvSpPr>
+            <a:spLocks noGrp="1"/>
+          </p:cNvSpPr>
+          <p:nvPr>
+            <p:ph type="body" idx="1"/>
+          </p:nvPr>
+        </p:nvSpPr>
+        <p:spPr/>
+        <p:txBody>
+          <a:bodyPr>
+            <a:normAutofit/>
+          </a:bodyPr>
+          <a:lstStyle/>
+          <a:p>
+            <a:r>
+              <a:rPr lang="en-US" dirty="0" smtClean="0"/>
+              <a:t>Row</a:t>
+            </a:r>
+            <a:r>
+              <a:rPr lang="en-US" baseline="0" dirty="0" smtClean="0"/>
+              <a:t> </a:t>
+            </a:r>
+            <a:r>
+              <a:rPr lang="en-US" dirty="0" smtClean="0"/>
+              <a:t>Number</a:t>
+            </a:r>
+            <a:r>
+              <a:rPr lang="en-US" baseline="0" dirty="0" smtClean="0"/>
+              <a:t> Function Example</a:t>
+            </a:r>
+          </a:p>
+          <a:p>
+            <a:r>
+              <a:rPr lang="en-US" baseline="0" dirty="0" smtClean="0"/>
+              <a:t>---------------------------------------</a:t>
+            </a:r>
+          </a:p>
+          <a:p>
+            <a:r>
+              <a:rPr lang="en-US" baseline="0" dirty="0" smtClean="0"/>
+              <a:t>Select * from(select </a:t>
+            </a:r>
+            <a:r>
+              <a:rPr lang="en-US" baseline="0" noProof="1" smtClean="0"/>
+              <a:t>rownumber</a:t>
+            </a:r>
+            <a:r>
+              <a:rPr lang="en-US" baseline="0" dirty="0" smtClean="0"/>
+              <a:t>() over(order by eid desc) as rownumber,* from Employees)as foo where rownumber&gt;5 and rownumber&lt;10</a:t>
+            </a:r>
+          </a:p>
+        </p:txBody>
+      </p:sp>
+      <p:sp>
+        <p:nvSpPr>
+          <p:cNvPr id="4" name="Slide Number Placeholder 3"/>
+          <p:cNvSpPr>
+            <a:spLocks noGrp="1"/>
+          </p:cNvSpPr>
+          <p:nvPr>
+            <p:ph type="sldNum" sz="quarter" idx="10"/>
+          </p:nvPr>
+        </p:nvSpPr>
+        <p:spPr/>
+        <p:txBody>
+          <a:bodyPr/>
+          <a:lstStyle/>
+          <a:p>
+            <a:fld id="{7300D0A9-A0CD-4070-BE06-EB2B828261DA}" type="slidenum">
+              <a:rPr lang="en-US" smtClean="0"/>
+              <a:pPr/>
+              <a:t>23</a:t>
+            </a:fld>
+            <a:endParaRPr lang="en-US" dirty="0"/>
+          </a:p>
+        </p:txBody>
+      </p:sp>
+    </p:spTree>
+  </p:cSld>
+  <p:clrMapOvr>
+    <a:masterClrMapping/>
+  </p:clrMapOvr>
+</p:notes>
+</file>
+
 <file path=ppt/slideLayouts/slideLayout1.xml><?xml version="1.0" encoding="utf-8"?>
 <p:sldLayout xmlns:a="http://schemas.openxmlformats.org/drawingml/2006/main" xmlns:r="http://schemas.openxmlformats.org/officeDocument/2006/relationships" xmlns:p="http://schemas.openxmlformats.org/presentationml/2006/main" type="title" preserve="1">
   <p:cSld name="Title Slide">
@@ -761,7 +960,7 @@
             <a:fld id="{13356D62-DA25-4A43-84BD-B30EE7504D09}" type="datetime1">
               <a:rPr lang="en-US" smtClean="0"/>
               <a:pPr/>
-              <a:t>1/19/2021</a:t>
+              <a:t>2/1/2021</a:t>
             </a:fld>
             <a:endParaRPr lang="en-US" dirty="0"/>
           </a:p>
@@ -926,7 +1125,7 @@
             <a:fld id="{814F8D3D-F6AC-4D97-A2E3-7C6083D43E14}" type="datetime1">
               <a:rPr lang="en-US" smtClean="0"/>
               <a:pPr/>
-              <a:t>1/19/2021</a:t>
+              <a:t>2/1/2021</a:t>
             </a:fld>
             <a:endParaRPr lang="en-US" dirty="0"/>
           </a:p>
@@ -1101,7 +1300,7 @@
             <a:fld id="{918C6237-BF11-4109-A278-FBD11E4E63B6}" type="datetime1">
               <a:rPr lang="en-US" smtClean="0"/>
               <a:pPr/>
-              <a:t>1/19/2021</a:t>
+              <a:t>2/1/2021</a:t>
             </a:fld>
             <a:endParaRPr lang="en-US" dirty="0"/>
           </a:p>
@@ -1266,7 +1465,7 @@
             <a:fld id="{6BAB7C4F-C0F9-4814-8EF4-D06C5ECF3002}" type="datetime1">
               <a:rPr lang="en-US" smtClean="0"/>
               <a:pPr/>
-              <a:t>1/19/2021</a:t>
+              <a:t>2/1/2021</a:t>
             </a:fld>
             <a:endParaRPr lang="en-US" dirty="0"/>
           </a:p>
@@ -1508,7 +1707,7 @@
             <a:fld id="{14521067-E53F-434B-94A3-214DFAAEADE4}" type="datetime1">
               <a:rPr lang="en-US" smtClean="0"/>
               <a:pPr/>
-              <a:t>1/19/2021</a:t>
+              <a:t>2/1/2021</a:t>
             </a:fld>
             <a:endParaRPr lang="en-US" dirty="0"/>
           </a:p>
@@ -1790,7 +1989,7 @@
             <a:fld id="{392A1148-9868-4D9E-A495-D3240CB69D2F}" type="datetime1">
               <a:rPr lang="en-US" smtClean="0"/>
               <a:pPr/>
-              <a:t>1/19/2021</a:t>
+              <a:t>2/1/2021</a:t>
             </a:fld>
             <a:endParaRPr lang="en-US" dirty="0"/>
           </a:p>
@@ -2206,7 +2405,7 @@
             <a:fld id="{F8B369F5-87A9-425A-9D62-6801B9DD556F}" type="datetime1">
               <a:rPr lang="en-US" smtClean="0"/>
               <a:pPr/>
-              <a:t>1/19/2021</a:t>
+              <a:t>2/1/2021</a:t>
             </a:fld>
             <a:endParaRPr lang="en-US" dirty="0"/>
           </a:p>
@@ -2320,7 +2519,7 @@
             <a:fld id="{B6D94026-00C5-4147-98C3-F97EDD37CE9B}" type="datetime1">
               <a:rPr lang="en-US" smtClean="0"/>
               <a:pPr/>
-              <a:t>1/19/2021</a:t>
+              <a:t>2/1/2021</a:t>
             </a:fld>
             <a:endParaRPr lang="en-US" dirty="0"/>
           </a:p>
@@ -2412,7 +2611,7 @@
             <a:fld id="{8928E2AF-92CE-4484-A808-E3FD8E45B72C}" type="datetime1">
               <a:rPr lang="en-US" smtClean="0"/>
               <a:pPr/>
-              <a:t>1/19/2021</a:t>
+              <a:t>2/1/2021</a:t>
             </a:fld>
             <a:endParaRPr lang="en-US" dirty="0"/>
           </a:p>
@@ -2684,7 +2883,7 @@
             <a:fld id="{AA731B05-1C07-403E-A0CC-EE082BF3B586}" type="datetime1">
               <a:rPr lang="en-US" smtClean="0"/>
               <a:pPr/>
-              <a:t>1/19/2021</a:t>
+              <a:t>2/1/2021</a:t>
             </a:fld>
             <a:endParaRPr lang="en-US" dirty="0"/>
           </a:p>
@@ -2933,7 +3132,7 @@
             <a:fld id="{2B730414-610B-4C3B-8768-7E104C29943C}" type="datetime1">
               <a:rPr lang="en-US" smtClean="0"/>
               <a:pPr/>
-              <a:t>1/19/2021</a:t>
+              <a:t>2/1/2021</a:t>
             </a:fld>
             <a:endParaRPr lang="en-US" dirty="0"/>
           </a:p>
@@ -3156,7 +3355,7 @@
             <a:fld id="{74EC135A-3407-4695-A82D-1B177E093034}" type="datetime1">
               <a:rPr lang="en-US" smtClean="0"/>
               <a:pPr/>
-              <a:t>1/19/2021</a:t>
+              <a:t>2/1/2021</a:t>
             </a:fld>
             <a:endParaRPr lang="en-US" dirty="0"/>
           </a:p>
@@ -5526,14 +5725,14 @@
                 <a:gridCol w="4080095">
                   <a:extLst>
                     <a:ext uri="{9D8B030D-6E8A-4147-A177-3AD203B41FA5}">
-                      <a16:colId xmlns="" xmlns:a16="http://schemas.microsoft.com/office/drawing/2014/main" val="20000"/>
+                      <a16:colId xmlns:a16="http://schemas.microsoft.com/office/drawing/2014/main" xmlns="" val="20000"/>
                     </a:ext>
                   </a:extLst>
                 </a:gridCol>
                 <a:gridCol w="3844705">
                   <a:extLst>
                     <a:ext uri="{9D8B030D-6E8A-4147-A177-3AD203B41FA5}">
-                      <a16:colId xmlns="" xmlns:a16="http://schemas.microsoft.com/office/drawing/2014/main" val="20001"/>
+                      <a16:colId xmlns:a16="http://schemas.microsoft.com/office/drawing/2014/main" xmlns="" val="20001"/>
                     </a:ext>
                   </a:extLst>
                 </a:gridCol>
@@ -5567,7 +5766,7 @@
                 </a:tc>
                 <a:extLst>
                   <a:ext uri="{0D108BD9-81ED-4DB2-BD59-A6C34878D82A}">
-                    <a16:rowId xmlns="" xmlns:a16="http://schemas.microsoft.com/office/drawing/2014/main" val="10000"/>
+                    <a16:rowId xmlns:a16="http://schemas.microsoft.com/office/drawing/2014/main" xmlns="" val="10000"/>
                   </a:ext>
                 </a:extLst>
               </a:tr>
@@ -5672,7 +5871,7 @@
                 </a:tc>
                 <a:extLst>
                   <a:ext uri="{0D108BD9-81ED-4DB2-BD59-A6C34878D82A}">
-                    <a16:rowId xmlns="" xmlns:a16="http://schemas.microsoft.com/office/drawing/2014/main" val="10001"/>
+                    <a16:rowId xmlns:a16="http://schemas.microsoft.com/office/drawing/2014/main" xmlns="" val="10001"/>
                   </a:ext>
                 </a:extLst>
               </a:tr>
@@ -5733,7 +5932,7 @@
                 </a:tc>
                 <a:extLst>
                   <a:ext uri="{0D108BD9-81ED-4DB2-BD59-A6C34878D82A}">
-                    <a16:rowId xmlns="" xmlns:a16="http://schemas.microsoft.com/office/drawing/2014/main" val="10002"/>
+                    <a16:rowId xmlns:a16="http://schemas.microsoft.com/office/drawing/2014/main" xmlns="" val="10002"/>
                   </a:ext>
                 </a:extLst>
               </a:tr>
